--- a/Python_101.pptx
+++ b/Python_101.pptx
@@ -46202,7 +46202,7 @@
           <a:p>
             <a:fld id="{6C496066-3E7D-4FFE-9F44-7548CBB3E64D}" type="datetimeFigureOut">
               <a:rPr lang="en-US" smtClean="0"/>
-              <a:t>11/20/2019</a:t>
+              <a:t>2/21/2020</a:t>
             </a:fld>
             <a:endParaRPr lang="en-US"/>
           </a:p>
@@ -46693,7 +46693,7 @@
           <a:p>
             <a:fld id="{35BC5D34-EED0-4CD6-A43B-DACE5FE740C5}" type="datetime1">
               <a:rPr lang="en-US" smtClean="0"/>
-              <a:t>11/20/2019</a:t>
+              <a:t>2/21/2020</a:t>
             </a:fld>
             <a:endParaRPr lang="en-US"/>
           </a:p>
@@ -46985,7 +46985,7 @@
           <a:p>
             <a:fld id="{6E0D9DE1-C343-4691-8D8F-5EAC90F9A32F}" type="datetime1">
               <a:rPr lang="en-US" smtClean="0"/>
-              <a:t>11/20/2019</a:t>
+              <a:t>2/21/2020</a:t>
             </a:fld>
             <a:endParaRPr lang="en-US"/>
           </a:p>
@@ -47157,7 +47157,7 @@
           <a:p>
             <a:fld id="{4B94EE5D-90C7-460D-BFB3-ABEC7FEF1E2C}" type="datetime1">
               <a:rPr lang="en-US" smtClean="0"/>
-              <a:t>11/20/2019</a:t>
+              <a:t>2/21/2020</a:t>
             </a:fld>
             <a:endParaRPr lang="en-US"/>
           </a:p>
@@ -47339,7 +47339,7 @@
           <a:p>
             <a:fld id="{DB46FF33-9624-4470-BA9B-6447BFB9C54F}" type="datetime1">
               <a:rPr lang="en-US" smtClean="0"/>
-              <a:t>11/20/2019</a:t>
+              <a:t>2/21/2020</a:t>
             </a:fld>
             <a:endParaRPr lang="en-US"/>
           </a:p>
@@ -47568,7 +47568,7 @@
           <a:p>
             <a:fld id="{DFA22E70-0B41-4597-B78B-97B82E0558E9}" type="datetime1">
               <a:rPr lang="en-US" smtClean="0"/>
-              <a:t>11/20/2019</a:t>
+              <a:t>2/21/2020</a:t>
             </a:fld>
             <a:endParaRPr lang="en-US"/>
           </a:p>
@@ -47853,7 +47853,7 @@
           <a:p>
             <a:fld id="{A8A20B06-4436-4C3F-B359-194031B33526}" type="datetime1">
               <a:rPr lang="en-US" smtClean="0"/>
-              <a:t>11/20/2019</a:t>
+              <a:t>2/21/2020</a:t>
             </a:fld>
             <a:endParaRPr lang="en-US"/>
           </a:p>
@@ -48102,7 +48102,7 @@
           <a:p>
             <a:fld id="{02DA1911-FCD1-4A2F-8BC9-BD8DED46D533}" type="datetime1">
               <a:rPr lang="en-US" smtClean="0"/>
-              <a:t>11/20/2019</a:t>
+              <a:t>2/21/2020</a:t>
             </a:fld>
             <a:endParaRPr lang="en-US"/>
           </a:p>
@@ -48396,7 +48396,7 @@
           <a:p>
             <a:fld id="{E19E8326-BB43-43A1-AC01-29B4D880F734}" type="datetime1">
               <a:rPr lang="en-US" smtClean="0"/>
-              <a:t>11/20/2019</a:t>
+              <a:t>2/21/2020</a:t>
             </a:fld>
             <a:endParaRPr lang="en-US"/>
           </a:p>
@@ -48879,7 +48879,7 @@
           <a:p>
             <a:fld id="{07521E26-625D-419A-9882-E5ADC7622B93}" type="datetime1">
               <a:rPr lang="en-US" smtClean="0"/>
-              <a:t>11/20/2019</a:t>
+              <a:t>2/21/2020</a:t>
             </a:fld>
             <a:endParaRPr lang="en-US"/>
           </a:p>
@@ -49000,7 +49000,7 @@
           <a:p>
             <a:fld id="{92458BC5-6C39-4317-9B3F-19595073D898}" type="datetime1">
               <a:rPr lang="en-US" smtClean="0"/>
-              <a:t>11/20/2019</a:t>
+              <a:t>2/21/2020</a:t>
             </a:fld>
             <a:endParaRPr lang="en-US"/>
           </a:p>
@@ -49099,7 +49099,7 @@
           <a:p>
             <a:fld id="{4C9BA909-58BA-4BE4-BCC0-059DC6EDE0FF}" type="datetime1">
               <a:rPr lang="en-US" smtClean="0"/>
-              <a:t>11/20/2019</a:t>
+              <a:t>2/21/2020</a:t>
             </a:fld>
             <a:endParaRPr lang="en-US"/>
           </a:p>
@@ -49378,7 +49378,7 @@
           <a:p>
             <a:fld id="{58285AB3-6E82-400A-83FA-5CB351CEE9BA}" type="datetime1">
               <a:rPr lang="en-US" smtClean="0"/>
-              <a:t>11/20/2019</a:t>
+              <a:t>2/21/2020</a:t>
             </a:fld>
             <a:endParaRPr lang="en-US"/>
           </a:p>
@@ -49602,7 +49602,7 @@
           <a:p>
             <a:fld id="{35AE67AA-50C4-4ED4-B415-E92ADFDC4108}" type="datetime1">
               <a:rPr lang="en-US" smtClean="0"/>
-              <a:t>11/20/2019</a:t>
+              <a:t>2/21/2020</a:t>
             </a:fld>
             <a:endParaRPr lang="en-US"/>
           </a:p>
@@ -50027,7 +50027,7 @@
           <a:p>
             <a:fld id="{6C75D687-A48C-4E6C-9A16-AC1E446AF2C9}" type="datetime1">
               <a:rPr lang="en-US" smtClean="0"/>
-              <a:t>11/20/2019</a:t>
+              <a:t>2/21/2020</a:t>
             </a:fld>
             <a:endParaRPr lang="en-US"/>
           </a:p>
@@ -50384,9 +50384,10 @@
           <a:lstStyle/>
           <a:p>
             <a:r>
-              <a:rPr lang="en-US" dirty="0"/>
-              <a:t>Python 101</a:t>
+              <a:rPr lang="en-US"/>
+              <a:t>Python 101deewe</a:t>
             </a:r>
+            <a:endParaRPr lang="en-US" dirty="0"/>
           </a:p>
         </p:txBody>
       </p:sp>
@@ -50504,7 +50505,7 @@
           <a:p>
             <a:fld id="{DFA22E70-0B41-4597-B78B-97B82E0558E9}" type="datetime1">
               <a:rPr lang="en-US" smtClean="0"/>
-              <a:t>11/21/2019</a:t>
+              <a:t>2/21/2020</a:t>
             </a:fld>
             <a:endParaRPr lang="en-US"/>
           </a:p>
@@ -51047,7 +51048,7 @@
             <a:fld id="{DFA22E70-0B41-4597-B78B-97B82E0558E9}" type="datetime1">
               <a:rPr lang="en-US" smtClean="0"/>
               <a:pPr/>
-              <a:t>11/20/2019</a:t>
+              <a:t>2/21/2020</a:t>
             </a:fld>
             <a:endParaRPr lang="en-US"/>
           </a:p>
@@ -51314,7 +51315,7 @@
           <a:p>
             <a:fld id="{DFA22E70-0B41-4597-B78B-97B82E0558E9}" type="datetime1">
               <a:rPr lang="en-US" smtClean="0"/>
-              <a:t>11/20/2019</a:t>
+              <a:t>2/21/2020</a:t>
             </a:fld>
             <a:endParaRPr lang="en-US"/>
           </a:p>
@@ -51705,7 +51706,7 @@
           <a:p>
             <a:fld id="{DFA22E70-0B41-4597-B78B-97B82E0558E9}" type="datetime1">
               <a:rPr lang="en-US" smtClean="0"/>
-              <a:t>11/21/2019</a:t>
+              <a:t>2/21/2020</a:t>
             </a:fld>
             <a:endParaRPr lang="en-US"/>
           </a:p>
@@ -52071,7 +52072,7 @@
           <a:p>
             <a:fld id="{DFA22E70-0B41-4597-B78B-97B82E0558E9}" type="datetime1">
               <a:rPr lang="en-US" smtClean="0"/>
-              <a:t>11/21/2019</a:t>
+              <a:t>2/21/2020</a:t>
             </a:fld>
             <a:endParaRPr lang="en-US"/>
           </a:p>
@@ -52399,7 +52400,7 @@
           <a:p>
             <a:fld id="{DFA22E70-0B41-4597-B78B-97B82E0558E9}" type="datetime1">
               <a:rPr lang="en-US" smtClean="0"/>
-              <a:t>11/21/2019</a:t>
+              <a:t>2/21/2020</a:t>
             </a:fld>
             <a:endParaRPr lang="en-US"/>
           </a:p>
@@ -52688,7 +52689,7 @@
           <a:p>
             <a:fld id="{DFA22E70-0B41-4597-B78B-97B82E0558E9}" type="datetime1">
               <a:rPr lang="en-US" smtClean="0"/>
-              <a:t>11/21/2019</a:t>
+              <a:t>2/21/2020</a:t>
             </a:fld>
             <a:endParaRPr lang="en-US"/>
           </a:p>
@@ -52977,7 +52978,7 @@
           <a:p>
             <a:fld id="{DFA22E70-0B41-4597-B78B-97B82E0558E9}" type="datetime1">
               <a:rPr lang="en-US" smtClean="0"/>
-              <a:t>11/21/2019</a:t>
+              <a:t>2/21/2020</a:t>
             </a:fld>
             <a:endParaRPr lang="en-US"/>
           </a:p>
@@ -53271,7 +53272,7 @@
           <a:p>
             <a:fld id="{DFA22E70-0B41-4597-B78B-97B82E0558E9}" type="datetime1">
               <a:rPr lang="en-US" smtClean="0"/>
-              <a:t>11/21/2019</a:t>
+              <a:t>2/21/2020</a:t>
             </a:fld>
             <a:endParaRPr lang="en-US"/>
           </a:p>
@@ -53565,7 +53566,7 @@
           <a:p>
             <a:fld id="{DFA22E70-0B41-4597-B78B-97B82E0558E9}" type="datetime1">
               <a:rPr lang="en-US" smtClean="0"/>
-              <a:t>11/21/2019</a:t>
+              <a:t>2/21/2020</a:t>
             </a:fld>
             <a:endParaRPr lang="en-US"/>
           </a:p>
